--- a/NetAgent/src/main/resources/Downloads/NAQuarantine (1).pptx
+++ b/NetAgent/src/main/resources/Downloads/NAQuarantine (1).pptx
@@ -491,7 +491,7 @@
                 </a:solidFill>
                 <a:latin typeface="Arial"/>
               </a:rPr>
-              <a:t>5/29/2023 11:22 PM</a:t>
+              <a:t>8/28/2023 12:44 AM</a:t>
             </a:r>
           </a:p>
         </p:txBody>
@@ -847,7 +847,7 @@
                 </a:solidFill>
                 <a:latin typeface="Arial"/>
               </a:rPr>
-              <a:t>5/29/2023 11:22 PM</a:t>
+              <a:t>8/28/2023 12:44 AM</a:t>
             </a:r>
           </a:p>
         </p:txBody>
@@ -1165,7 +1165,7 @@
         <p:spPr>
           <a:xfrm xmlns:a="http://schemas.openxmlformats.org/drawingml/2006/main">
             <a:off x="685800" y="1552569"/>
-            <a:ext cx="10771311" cy="1035308"/>
+            <a:ext cx="10771311" cy="1342143"/>
           </a:xfrm>
           <a:prstGeom xmlns:a="http://schemas.openxmlformats.org/drawingml/2006/main" prst="rect"/>
           <a:noFill xmlns:a="http://schemas.openxmlformats.org/drawingml/2006/main"/>
@@ -1203,7 +1203,7 @@
                 </a:solidFill>
                 <a:latin typeface="Arial"/>
               </a:rPr>
-              <a:t>5/29/2023 11:22 PM</a:t>
+              <a:t>8/28/2023 12:44 AM</a:t>
             </a:r>
           </a:p>
         </p:txBody>
@@ -1521,7 +1521,7 @@
         <p:spPr>
           <a:xfrm xmlns:a="http://schemas.openxmlformats.org/drawingml/2006/main">
             <a:off x="685800" y="1552569"/>
-            <a:ext cx="8791581" cy="1035308"/>
+            <a:ext cx="8791581" cy="1342143"/>
           </a:xfrm>
           <a:prstGeom xmlns:a="http://schemas.openxmlformats.org/drawingml/2006/main" prst="rect"/>
           <a:noFill xmlns:a="http://schemas.openxmlformats.org/drawingml/2006/main"/>
@@ -1559,7 +1559,7 @@
                 </a:solidFill>
                 <a:latin typeface="Arial"/>
               </a:rPr>
-              <a:t>5/29/2023 11:22 PM</a:t>
+              <a:t>8/28/2023 12:44 AM</a:t>
             </a:r>
           </a:p>
         </p:txBody>
@@ -1915,7 +1915,7 @@
                 </a:solidFill>
                 <a:latin typeface="Arial"/>
               </a:rPr>
-              <a:t>5/29/2023 11:22 PM</a:t>
+              <a:t>8/28/2023 12:44 AM</a:t>
             </a:r>
           </a:p>
         </p:txBody>
@@ -2271,7 +2271,7 @@
                 </a:solidFill>
                 <a:latin typeface="Arial"/>
               </a:rPr>
-              <a:t>5/29/2023 11:22 PM</a:t>
+              <a:t>8/28/2023 12:44 AM</a:t>
             </a:r>
           </a:p>
         </p:txBody>
@@ -2627,7 +2627,7 @@
                 </a:solidFill>
                 <a:latin typeface="Arial"/>
               </a:rPr>
-              <a:t>5/29/2023 11:22 PM</a:t>
+              <a:t>8/28/2023 12:44 AM</a:t>
             </a:r>
           </a:p>
         </p:txBody>
@@ -2983,7 +2983,7 @@
                 </a:solidFill>
                 <a:latin typeface="Arial"/>
               </a:rPr>
-              <a:t>5/29/2023 11:22 PM</a:t>
+              <a:t>8/28/2023 12:44 AM</a:t>
             </a:r>
           </a:p>
         </p:txBody>
@@ -3339,7 +3339,7 @@
                 </a:solidFill>
                 <a:latin typeface="Arial"/>
               </a:rPr>
-              <a:t>5/29/2023 11:22 PM</a:t>
+              <a:t>8/28/2023 12:44 AM</a:t>
             </a:r>
           </a:p>
         </p:txBody>
@@ -3695,7 +3695,7 @@
                 </a:solidFill>
                 <a:latin typeface="Arial"/>
               </a:rPr>
-              <a:t>5/29/2023 11:22 PM</a:t>
+              <a:t>8/28/2023 12:44 AM</a:t>
             </a:r>
           </a:p>
         </p:txBody>
@@ -4051,7 +4051,7 @@
                 </a:solidFill>
                 <a:latin typeface="Arial"/>
               </a:rPr>
-              <a:t>5/29/2023 11:22 PM</a:t>
+              <a:t>8/28/2023 12:44 AM</a:t>
             </a:r>
           </a:p>
         </p:txBody>
@@ -4407,7 +4407,7 @@
                 </a:solidFill>
                 <a:latin typeface="Arial"/>
               </a:rPr>
-              <a:t>5/29/2023 11:22 PM</a:t>
+              <a:t>8/28/2023 12:44 AM</a:t>
             </a:r>
           </a:p>
         </p:txBody>
@@ -4763,7 +4763,7 @@
                 </a:solidFill>
                 <a:latin typeface="Arial"/>
               </a:rPr>
-              <a:t>5/29/2023 11:22 PM</a:t>
+              <a:t>8/28/2023 12:44 AM</a:t>
             </a:r>
           </a:p>
         </p:txBody>
@@ -5119,7 +5119,7 @@
                 </a:solidFill>
                 <a:latin typeface="Arial"/>
               </a:rPr>
-              <a:t>5/29/2023 11:22 PM</a:t>
+              <a:t>8/28/2023 12:44 AM</a:t>
             </a:r>
           </a:p>
         </p:txBody>
@@ -5475,7 +5475,7 @@
                 </a:solidFill>
                 <a:latin typeface="Arial"/>
               </a:rPr>
-              <a:t>5/29/2023 11:22 PM</a:t>
+              <a:t>8/28/2023 12:44 AM</a:t>
             </a:r>
           </a:p>
         </p:txBody>
@@ -5831,7 +5831,7 @@
                 </a:solidFill>
                 <a:latin typeface="Arial"/>
               </a:rPr>
-              <a:t>5/29/2023 11:22 PM</a:t>
+              <a:t>8/28/2023 12:44 AM</a:t>
             </a:r>
           </a:p>
         </p:txBody>
@@ -6187,7 +6187,7 @@
                 </a:solidFill>
                 <a:latin typeface="Arial"/>
               </a:rPr>
-              <a:t>5/29/2023 11:22 PM</a:t>
+              <a:t>8/28/2023 12:44 AM</a:t>
             </a:r>
           </a:p>
         </p:txBody>
@@ -6543,7 +6543,7 @@
                 </a:solidFill>
                 <a:latin typeface="Arial"/>
               </a:rPr>
-              <a:t>5/29/2023 11:22 PM</a:t>
+              <a:t>8/28/2023 12:44 AM</a:t>
             </a:r>
           </a:p>
         </p:txBody>
